--- a/raws/画图.pptx
+++ b/raws/画图.pptx
@@ -10,11 +10,12 @@
     <p:sldId id="259" r:id="rId5"/>
     <p:sldId id="260" r:id="rId6"/>
     <p:sldId id="261" r:id="rId7"/>
+    <p:sldId id="262" r:id="rId8"/>
   </p:sldIdLst>
   <p:sldSz cx="12192000" cy="6858000"/>
   <p:notesSz cx="6858000" cy="9144000"/>
   <p:custDataLst>
-    <p:tags r:id="rId11"/>
+    <p:tags r:id="rId12"/>
   </p:custDataLst>
   <p:defaultTextStyle>
     <a:defPPr>
@@ -9388,6 +9389,709 @@
 </p:sld>
 </file>
 
+<file path=ppt/slides/slide6.xml><?xml version="1.0" encoding="utf-8"?>
+<p:sld xmlns:a="http://schemas.openxmlformats.org/drawingml/2006/main" xmlns:r="http://schemas.openxmlformats.org/officeDocument/2006/relationships" xmlns:p="http://schemas.openxmlformats.org/presentationml/2006/main">
+  <p:cSld>
+    <p:spTree>
+      <p:nvGrpSpPr>
+        <p:cNvPr id="1" name=""/>
+        <p:cNvGrpSpPr/>
+        <p:nvPr/>
+      </p:nvGrpSpPr>
+      <p:grpSpPr/>
+      <p:sp>
+        <p:nvSpPr>
+          <p:cNvPr id="5" name="文本框 4"/>
+          <p:cNvSpPr txBox="1"/>
+          <p:nvPr/>
+        </p:nvSpPr>
+        <p:spPr>
+          <a:xfrm>
+            <a:off x="1383665" y="2318385"/>
+            <a:ext cx="1244600" cy="645160"/>
+          </a:xfrm>
+          <a:prstGeom prst="rect">
+            <a:avLst/>
+          </a:prstGeom>
+          <a:noFill/>
+          <a:ln w="12700">
+            <a:solidFill>
+              <a:schemeClr val="tx1"/>
+            </a:solidFill>
+          </a:ln>
+        </p:spPr>
+        <p:txBody>
+          <a:bodyPr wrap="square" rtlCol="0">
+            <a:spAutoFit/>
+          </a:bodyPr>
+          <a:p>
+            <a:pPr algn="ctr"/>
+            <a:r>
+              <a:rPr lang="zh-CN" altLang="en-US"/>
+              <a:t>src1.js</a:t>
+            </a:r>
+            <a:endParaRPr lang="zh-CN" altLang="en-US"/>
+          </a:p>
+          <a:p>
+            <a:pPr algn="ctr"/>
+            <a:r>
+              <a:rPr lang="zh-CN" altLang="en-US"/>
+              <a:t>1行1列</a:t>
+            </a:r>
+            <a:endParaRPr lang="zh-CN" altLang="en-US"/>
+          </a:p>
+        </p:txBody>
+      </p:sp>
+      <p:grpSp>
+        <p:nvGrpSpPr>
+          <p:cNvPr id="31" name="组合 30"/>
+          <p:cNvGrpSpPr/>
+          <p:nvPr/>
+        </p:nvGrpSpPr>
+        <p:grpSpPr>
+          <a:xfrm>
+            <a:off x="2785110" y="2088515"/>
+            <a:ext cx="2063750" cy="1104900"/>
+            <a:chOff x="4386" y="3347"/>
+            <a:chExt cx="3250" cy="1740"/>
+          </a:xfrm>
+        </p:grpSpPr>
+        <p:sp>
+          <p:nvSpPr>
+            <p:cNvPr id="7" name="右箭头 6"/>
+            <p:cNvSpPr/>
+            <p:nvPr/>
+          </p:nvSpPr>
+          <p:spPr>
+            <a:xfrm>
+              <a:off x="4425" y="4054"/>
+              <a:ext cx="3172" cy="326"/>
+            </a:xfrm>
+            <a:prstGeom prst="rightArrow">
+              <a:avLst/>
+            </a:prstGeom>
+            <a:ln>
+              <a:noFill/>
+            </a:ln>
+          </p:spPr>
+          <p:style>
+            <a:lnRef idx="2">
+              <a:schemeClr val="accent1">
+                <a:shade val="50000"/>
+              </a:schemeClr>
+            </a:lnRef>
+            <a:fillRef idx="1">
+              <a:schemeClr val="accent1"/>
+            </a:fillRef>
+            <a:effectRef idx="0">
+              <a:schemeClr val="accent1"/>
+            </a:effectRef>
+            <a:fontRef idx="minor">
+              <a:schemeClr val="lt1"/>
+            </a:fontRef>
+          </p:style>
+          <p:txBody>
+            <a:bodyPr rtlCol="0" anchor="ctr"/>
+            <a:p>
+              <a:pPr algn="ctr"/>
+              <a:endParaRPr lang="zh-CN" altLang="en-US"/>
+            </a:p>
+          </p:txBody>
+        </p:sp>
+        <p:sp>
+          <p:nvSpPr>
+            <p:cNvPr id="21" name="文本框 20"/>
+            <p:cNvSpPr txBox="1"/>
+            <p:nvPr/>
+          </p:nvSpPr>
+          <p:spPr>
+            <a:xfrm>
+              <a:off x="5485" y="3347"/>
+              <a:ext cx="1051" cy="580"/>
+            </a:xfrm>
+            <a:prstGeom prst="rect">
+              <a:avLst/>
+            </a:prstGeom>
+            <a:noFill/>
+          </p:spPr>
+          <p:txBody>
+            <a:bodyPr wrap="square" rtlCol="0">
+              <a:spAutoFit/>
+            </a:bodyPr>
+            <a:p>
+              <a:r>
+                <a:rPr lang="zh-CN" altLang="en-US"/>
+                <a:t>生成</a:t>
+              </a:r>
+              <a:endParaRPr lang="zh-CN" altLang="en-US"/>
+            </a:p>
+          </p:txBody>
+        </p:sp>
+        <p:sp>
+          <p:nvSpPr>
+            <p:cNvPr id="2" name="文本框 1"/>
+            <p:cNvSpPr txBox="1"/>
+            <p:nvPr/>
+          </p:nvSpPr>
+          <p:spPr>
+            <a:xfrm>
+              <a:off x="4386" y="4507"/>
+              <a:ext cx="3250" cy="580"/>
+            </a:xfrm>
+            <a:prstGeom prst="rect">
+              <a:avLst/>
+            </a:prstGeom>
+            <a:noFill/>
+          </p:spPr>
+          <p:txBody>
+            <a:bodyPr wrap="square" rtlCol="0">
+              <a:spAutoFit/>
+            </a:bodyPr>
+            <a:p>
+              <a:r>
+                <a:rPr lang="zh-CN" altLang="en-US"/>
+                <a:t>第一个SourceMap</a:t>
+              </a:r>
+              <a:endParaRPr lang="zh-CN" altLang="en-US"/>
+            </a:p>
+          </p:txBody>
+        </p:sp>
+      </p:grpSp>
+      <p:sp>
+        <p:nvSpPr>
+          <p:cNvPr id="3" name="文本框 2"/>
+          <p:cNvSpPr txBox="1"/>
+          <p:nvPr/>
+        </p:nvSpPr>
+        <p:spPr>
+          <a:xfrm>
+            <a:off x="5119370" y="2318385"/>
+            <a:ext cx="1244600" cy="645160"/>
+          </a:xfrm>
+          <a:prstGeom prst="rect">
+            <a:avLst/>
+          </a:prstGeom>
+          <a:noFill/>
+          <a:ln w="12700">
+            <a:solidFill>
+              <a:schemeClr val="tx1"/>
+            </a:solidFill>
+          </a:ln>
+        </p:spPr>
+        <p:txBody>
+          <a:bodyPr wrap="square" rtlCol="0">
+            <a:spAutoFit/>
+          </a:bodyPr>
+          <a:p>
+            <a:pPr algn="ctr"/>
+            <a:r>
+              <a:rPr lang="en-US" altLang="zh-CN"/>
+              <a:t>dist1</a:t>
+            </a:r>
+            <a:r>
+              <a:rPr lang="zh-CN" altLang="en-US"/>
+              <a:t>.js</a:t>
+            </a:r>
+            <a:endParaRPr lang="zh-CN" altLang="en-US"/>
+          </a:p>
+          <a:p>
+            <a:pPr algn="ctr"/>
+            <a:r>
+              <a:rPr lang="en-US" altLang="zh-CN"/>
+              <a:t>2</a:t>
+            </a:r>
+            <a:r>
+              <a:rPr lang="zh-CN" altLang="en-US"/>
+              <a:t>行</a:t>
+            </a:r>
+            <a:r>
+              <a:rPr lang="en-US" altLang="zh-CN"/>
+              <a:t>2</a:t>
+            </a:r>
+            <a:r>
+              <a:rPr lang="zh-CN" altLang="en-US"/>
+              <a:t>列</a:t>
+            </a:r>
+            <a:endParaRPr lang="zh-CN" altLang="en-US"/>
+          </a:p>
+        </p:txBody>
+      </p:sp>
+      <p:grpSp>
+        <p:nvGrpSpPr>
+          <p:cNvPr id="32" name="组合 31"/>
+          <p:cNvGrpSpPr/>
+          <p:nvPr/>
+        </p:nvGrpSpPr>
+        <p:grpSpPr>
+          <a:xfrm>
+            <a:off x="6648450" y="2097088"/>
+            <a:ext cx="2063750" cy="1087755"/>
+            <a:chOff x="10470" y="3307"/>
+            <a:chExt cx="3250" cy="1713"/>
+          </a:xfrm>
+        </p:grpSpPr>
+        <p:sp>
+          <p:nvSpPr>
+            <p:cNvPr id="4" name="右箭头 3"/>
+            <p:cNvSpPr/>
+            <p:nvPr/>
+          </p:nvSpPr>
+          <p:spPr>
+            <a:xfrm>
+              <a:off x="10509" y="3996"/>
+              <a:ext cx="3172" cy="326"/>
+            </a:xfrm>
+            <a:prstGeom prst="rightArrow">
+              <a:avLst/>
+            </a:prstGeom>
+            <a:ln>
+              <a:noFill/>
+            </a:ln>
+          </p:spPr>
+          <p:style>
+            <a:lnRef idx="2">
+              <a:schemeClr val="accent1">
+                <a:shade val="50000"/>
+              </a:schemeClr>
+            </a:lnRef>
+            <a:fillRef idx="1">
+              <a:schemeClr val="accent1"/>
+            </a:fillRef>
+            <a:effectRef idx="0">
+              <a:schemeClr val="accent1"/>
+            </a:effectRef>
+            <a:fontRef idx="minor">
+              <a:schemeClr val="lt1"/>
+            </a:fontRef>
+          </p:style>
+          <p:txBody>
+            <a:bodyPr rtlCol="0" anchor="ctr"/>
+            <a:p>
+              <a:pPr algn="ctr"/>
+              <a:endParaRPr lang="zh-CN" altLang="en-US"/>
+            </a:p>
+          </p:txBody>
+        </p:sp>
+        <p:sp>
+          <p:nvSpPr>
+            <p:cNvPr id="6" name="文本框 5"/>
+            <p:cNvSpPr txBox="1"/>
+            <p:nvPr/>
+          </p:nvSpPr>
+          <p:spPr>
+            <a:xfrm>
+              <a:off x="11547" y="3307"/>
+              <a:ext cx="1051" cy="580"/>
+            </a:xfrm>
+            <a:prstGeom prst="rect">
+              <a:avLst/>
+            </a:prstGeom>
+            <a:noFill/>
+          </p:spPr>
+          <p:txBody>
+            <a:bodyPr wrap="square" rtlCol="0">
+              <a:spAutoFit/>
+            </a:bodyPr>
+            <a:p>
+              <a:r>
+                <a:rPr lang="zh-CN" altLang="en-US"/>
+                <a:t>生成</a:t>
+              </a:r>
+              <a:endParaRPr lang="zh-CN" altLang="en-US"/>
+            </a:p>
+          </p:txBody>
+        </p:sp>
+        <p:sp>
+          <p:nvSpPr>
+            <p:cNvPr id="8" name="文本框 7"/>
+            <p:cNvSpPr txBox="1"/>
+            <p:nvPr/>
+          </p:nvSpPr>
+          <p:spPr>
+            <a:xfrm>
+              <a:off x="10470" y="4440"/>
+              <a:ext cx="3250" cy="580"/>
+            </a:xfrm>
+            <a:prstGeom prst="rect">
+              <a:avLst/>
+            </a:prstGeom>
+            <a:noFill/>
+          </p:spPr>
+          <p:txBody>
+            <a:bodyPr wrap="square" rtlCol="0">
+              <a:spAutoFit/>
+            </a:bodyPr>
+            <a:p>
+              <a:r>
+                <a:rPr lang="zh-CN" altLang="en-US"/>
+                <a:t>第</a:t>
+              </a:r>
+              <a:r>
+                <a:rPr lang="zh-CN" altLang="en-US"/>
+                <a:t>二个SourceMap</a:t>
+              </a:r>
+              <a:endParaRPr lang="zh-CN" altLang="en-US"/>
+            </a:p>
+          </p:txBody>
+        </p:sp>
+      </p:grpSp>
+      <p:sp>
+        <p:nvSpPr>
+          <p:cNvPr id="23" name="文本框 22"/>
+          <p:cNvSpPr txBox="1"/>
+          <p:nvPr/>
+        </p:nvSpPr>
+        <p:spPr>
+          <a:xfrm>
+            <a:off x="8855075" y="2318385"/>
+            <a:ext cx="1244600" cy="645160"/>
+          </a:xfrm>
+          <a:prstGeom prst="rect">
+            <a:avLst/>
+          </a:prstGeom>
+          <a:noFill/>
+          <a:ln w="12700">
+            <a:solidFill>
+              <a:schemeClr val="tx1"/>
+            </a:solidFill>
+          </a:ln>
+        </p:spPr>
+        <p:txBody>
+          <a:bodyPr wrap="square" rtlCol="0">
+            <a:spAutoFit/>
+          </a:bodyPr>
+          <a:p>
+            <a:pPr algn="ctr"/>
+            <a:r>
+              <a:rPr lang="en-US" altLang="zh-CN"/>
+              <a:t>dist2</a:t>
+            </a:r>
+            <a:r>
+              <a:rPr lang="zh-CN" altLang="en-US"/>
+              <a:t>.js</a:t>
+            </a:r>
+            <a:endParaRPr lang="zh-CN" altLang="en-US"/>
+          </a:p>
+          <a:p>
+            <a:pPr algn="ctr"/>
+            <a:r>
+              <a:rPr lang="en-US" altLang="zh-CN"/>
+              <a:t>3</a:t>
+            </a:r>
+            <a:r>
+              <a:rPr lang="zh-CN" altLang="en-US"/>
+              <a:t>行</a:t>
+            </a:r>
+            <a:r>
+              <a:rPr lang="en-US" altLang="zh-CN"/>
+              <a:t>3</a:t>
+            </a:r>
+            <a:r>
+              <a:rPr lang="zh-CN" altLang="en-US"/>
+              <a:t>列</a:t>
+            </a:r>
+            <a:endParaRPr lang="zh-CN" altLang="en-US"/>
+          </a:p>
+        </p:txBody>
+      </p:sp>
+      <p:sp>
+        <p:nvSpPr>
+          <p:cNvPr id="25" name="文本框 24"/>
+          <p:cNvSpPr txBox="1"/>
+          <p:nvPr/>
+        </p:nvSpPr>
+        <p:spPr>
+          <a:xfrm>
+            <a:off x="3036570" y="4826635"/>
+            <a:ext cx="1244600" cy="645160"/>
+          </a:xfrm>
+          <a:prstGeom prst="rect">
+            <a:avLst/>
+          </a:prstGeom>
+          <a:noFill/>
+          <a:ln w="12700">
+            <a:solidFill>
+              <a:schemeClr val="tx1"/>
+            </a:solidFill>
+          </a:ln>
+        </p:spPr>
+        <p:txBody>
+          <a:bodyPr wrap="square" rtlCol="0">
+            <a:spAutoFit/>
+          </a:bodyPr>
+          <a:p>
+            <a:pPr algn="ctr"/>
+            <a:r>
+              <a:rPr lang="zh-CN" altLang="en-US"/>
+              <a:t>src1.js</a:t>
+            </a:r>
+            <a:endParaRPr lang="zh-CN" altLang="en-US"/>
+          </a:p>
+          <a:p>
+            <a:pPr algn="ctr"/>
+            <a:r>
+              <a:rPr lang="zh-CN" altLang="en-US"/>
+              <a:t>1行1列</a:t>
+            </a:r>
+            <a:endParaRPr lang="zh-CN" altLang="en-US"/>
+          </a:p>
+        </p:txBody>
+      </p:sp>
+      <p:sp>
+        <p:nvSpPr>
+          <p:cNvPr id="27" name="文本框 26"/>
+          <p:cNvSpPr txBox="1"/>
+          <p:nvPr/>
+        </p:nvSpPr>
+        <p:spPr>
+          <a:xfrm>
+            <a:off x="7110730" y="4826635"/>
+            <a:ext cx="1244600" cy="645160"/>
+          </a:xfrm>
+          <a:prstGeom prst="rect">
+            <a:avLst/>
+          </a:prstGeom>
+          <a:noFill/>
+          <a:ln w="12700">
+            <a:solidFill>
+              <a:schemeClr val="tx1"/>
+            </a:solidFill>
+          </a:ln>
+        </p:spPr>
+        <p:txBody>
+          <a:bodyPr wrap="square" rtlCol="0">
+            <a:spAutoFit/>
+          </a:bodyPr>
+          <a:p>
+            <a:pPr algn="ctr"/>
+            <a:r>
+              <a:rPr lang="en-US" altLang="zh-CN"/>
+              <a:t>dist2</a:t>
+            </a:r>
+            <a:r>
+              <a:rPr lang="zh-CN" altLang="en-US"/>
+              <a:t>.js</a:t>
+            </a:r>
+            <a:endParaRPr lang="zh-CN" altLang="en-US"/>
+          </a:p>
+          <a:p>
+            <a:pPr algn="ctr"/>
+            <a:r>
+              <a:rPr lang="en-US" altLang="zh-CN"/>
+              <a:t>3</a:t>
+            </a:r>
+            <a:r>
+              <a:rPr lang="zh-CN" altLang="en-US"/>
+              <a:t>行</a:t>
+            </a:r>
+            <a:r>
+              <a:rPr lang="en-US" altLang="zh-CN"/>
+              <a:t>3</a:t>
+            </a:r>
+            <a:r>
+              <a:rPr lang="zh-CN" altLang="en-US"/>
+              <a:t>列</a:t>
+            </a:r>
+            <a:endParaRPr lang="zh-CN" altLang="en-US"/>
+          </a:p>
+        </p:txBody>
+      </p:sp>
+      <p:grpSp>
+        <p:nvGrpSpPr>
+          <p:cNvPr id="33" name="组合 32"/>
+          <p:cNvGrpSpPr/>
+          <p:nvPr/>
+        </p:nvGrpSpPr>
+        <p:grpSpPr>
+          <a:xfrm>
+            <a:off x="5417185" y="3580765"/>
+            <a:ext cx="1491615" cy="707390"/>
+            <a:chOff x="8485" y="5609"/>
+            <a:chExt cx="2349" cy="1114"/>
+          </a:xfrm>
+        </p:grpSpPr>
+        <p:sp>
+          <p:nvSpPr>
+            <p:cNvPr id="26" name="下箭头 25"/>
+            <p:cNvSpPr/>
+            <p:nvPr/>
+          </p:nvSpPr>
+          <p:spPr>
+            <a:xfrm>
+              <a:off x="8485" y="5609"/>
+              <a:ext cx="1015" cy="1115"/>
+            </a:xfrm>
+            <a:prstGeom prst="downArrow">
+              <a:avLst/>
+            </a:prstGeom>
+            <a:noFill/>
+            <a:ln w="38100">
+              <a:solidFill>
+                <a:srgbClr val="0070C0"/>
+              </a:solidFill>
+            </a:ln>
+            <a:extLst>
+              <a:ext uri="{909E8E84-426E-40DD-AFC4-6F175D3DCCD1}">
+                <a14:hiddenFill xmlns:a14="http://schemas.microsoft.com/office/drawing/2010/main">
+                  <a:solidFill>
+                    <a:schemeClr val="accent1"/>
+                  </a:solidFill>
+                </a14:hiddenFill>
+              </a:ext>
+            </a:extLst>
+          </p:spPr>
+          <p:style>
+            <a:lnRef idx="2">
+              <a:schemeClr val="accent1">
+                <a:shade val="50000"/>
+              </a:schemeClr>
+            </a:lnRef>
+            <a:fillRef idx="1">
+              <a:schemeClr val="accent1"/>
+            </a:fillRef>
+            <a:effectRef idx="0">
+              <a:schemeClr val="accent1"/>
+            </a:effectRef>
+            <a:fontRef idx="minor">
+              <a:schemeClr val="lt1"/>
+            </a:fontRef>
+          </p:style>
+          <p:txBody>
+            <a:bodyPr rtlCol="0" anchor="ctr"/>
+            <a:p>
+              <a:pPr algn="ctr"/>
+              <a:endParaRPr lang="zh-CN" altLang="en-US"/>
+            </a:p>
+          </p:txBody>
+        </p:sp>
+        <p:sp>
+          <p:nvSpPr>
+            <p:cNvPr id="29" name="文本框 28"/>
+            <p:cNvSpPr txBox="1"/>
+            <p:nvPr/>
+          </p:nvSpPr>
+          <p:spPr>
+            <a:xfrm>
+              <a:off x="9784" y="5877"/>
+              <a:ext cx="1051" cy="580"/>
+            </a:xfrm>
+            <a:prstGeom prst="rect">
+              <a:avLst/>
+            </a:prstGeom>
+            <a:noFill/>
+          </p:spPr>
+          <p:txBody>
+            <a:bodyPr wrap="square" rtlCol="0">
+              <a:spAutoFit/>
+            </a:bodyPr>
+            <a:p>
+              <a:r>
+                <a:rPr lang="zh-CN" altLang="en-US"/>
+                <a:t>合并</a:t>
+              </a:r>
+              <a:endParaRPr lang="zh-CN" altLang="en-US"/>
+            </a:p>
+          </p:txBody>
+        </p:sp>
+      </p:grpSp>
+      <p:grpSp>
+        <p:nvGrpSpPr>
+          <p:cNvPr id="34" name="组合 33"/>
+          <p:cNvGrpSpPr/>
+          <p:nvPr/>
+        </p:nvGrpSpPr>
+        <p:grpSpPr>
+          <a:xfrm>
+            <a:off x="4709795" y="4976495"/>
+            <a:ext cx="2063750" cy="662940"/>
+            <a:chOff x="7277" y="7827"/>
+            <a:chExt cx="3250" cy="1044"/>
+          </a:xfrm>
+        </p:grpSpPr>
+        <p:sp>
+          <p:nvSpPr>
+            <p:cNvPr id="28" name="右箭头 27"/>
+            <p:cNvSpPr/>
+            <p:nvPr/>
+          </p:nvSpPr>
+          <p:spPr>
+            <a:xfrm>
+              <a:off x="7277" y="7827"/>
+              <a:ext cx="3172" cy="326"/>
+            </a:xfrm>
+            <a:prstGeom prst="rightArrow">
+              <a:avLst/>
+            </a:prstGeom>
+            <a:ln>
+              <a:noFill/>
+            </a:ln>
+          </p:spPr>
+          <p:style>
+            <a:lnRef idx="2">
+              <a:schemeClr val="accent1">
+                <a:shade val="50000"/>
+              </a:schemeClr>
+            </a:lnRef>
+            <a:fillRef idx="1">
+              <a:schemeClr val="accent1"/>
+            </a:fillRef>
+            <a:effectRef idx="0">
+              <a:schemeClr val="accent1"/>
+            </a:effectRef>
+            <a:fontRef idx="minor">
+              <a:schemeClr val="lt1"/>
+            </a:fontRef>
+          </p:style>
+          <p:txBody>
+            <a:bodyPr rtlCol="0" anchor="ctr"/>
+            <a:p>
+              <a:pPr algn="ctr"/>
+              <a:endParaRPr lang="zh-CN" altLang="en-US"/>
+            </a:p>
+          </p:txBody>
+        </p:sp>
+        <p:sp>
+          <p:nvSpPr>
+            <p:cNvPr id="30" name="文本框 29"/>
+            <p:cNvSpPr txBox="1"/>
+            <p:nvPr/>
+          </p:nvSpPr>
+          <p:spPr>
+            <a:xfrm>
+              <a:off x="7277" y="8291"/>
+              <a:ext cx="3250" cy="580"/>
+            </a:xfrm>
+            <a:prstGeom prst="rect">
+              <a:avLst/>
+            </a:prstGeom>
+            <a:noFill/>
+          </p:spPr>
+          <p:txBody>
+            <a:bodyPr wrap="square" rtlCol="0">
+              <a:spAutoFit/>
+            </a:bodyPr>
+            <a:p>
+              <a:r>
+                <a:rPr lang="zh-CN" altLang="en-US"/>
+                <a:t>合并</a:t>
+              </a:r>
+              <a:r>
+                <a:rPr lang="zh-CN" altLang="en-US"/>
+                <a:t>后SourceMap</a:t>
+              </a:r>
+              <a:endParaRPr lang="zh-CN" altLang="en-US"/>
+            </a:p>
+          </p:txBody>
+        </p:sp>
+      </p:grpSp>
+    </p:spTree>
+  </p:cSld>
+  <p:clrMapOvr>
+    <a:masterClrMapping/>
+  </p:clrMapOvr>
+</p:sld>
+</file>
+
 <file path=ppt/tags/tag1.xml><?xml version="1.0" encoding="utf-8"?>
 <p:tagLst xmlns:p="http://schemas.openxmlformats.org/presentationml/2006/main">
   <p:tag name="KSO_WM_UNIT_TABLE_BEAUTIFY" val="smartTable{e8ebea44-6430-4dd4-bcdd-21c1d86577b7}"/>

--- a/raws/画图.pptx
+++ b/raws/画图.pptx
@@ -11,11 +11,12 @@
     <p:sldId id="260" r:id="rId6"/>
     <p:sldId id="261" r:id="rId7"/>
     <p:sldId id="262" r:id="rId8"/>
+    <p:sldId id="263" r:id="rId9"/>
   </p:sldIdLst>
   <p:sldSz cx="12192000" cy="6858000"/>
   <p:notesSz cx="6858000" cy="9144000"/>
   <p:custDataLst>
-    <p:tags r:id="rId12"/>
+    <p:tags r:id="rId13"/>
   </p:custDataLst>
   <p:defaultTextStyle>
     <a:defPPr>
@@ -10092,6 +10093,430 @@
 </p:sld>
 </file>
 
+<file path=ppt/slides/slide7.xml><?xml version="1.0" encoding="utf-8"?>
+<p:sld xmlns:a="http://schemas.openxmlformats.org/drawingml/2006/main" xmlns:r="http://schemas.openxmlformats.org/officeDocument/2006/relationships" xmlns:p="http://schemas.openxmlformats.org/presentationml/2006/main">
+  <p:cSld>
+    <p:spTree>
+      <p:nvGrpSpPr>
+        <p:cNvPr id="1" name=""/>
+        <p:cNvGrpSpPr/>
+        <p:nvPr/>
+      </p:nvGrpSpPr>
+      <p:grpSpPr/>
+      <p:sp>
+        <p:nvSpPr>
+          <p:cNvPr id="5" name="文本框 4"/>
+          <p:cNvSpPr txBox="1"/>
+          <p:nvPr/>
+        </p:nvSpPr>
+        <p:spPr>
+          <a:xfrm>
+            <a:off x="6178550" y="1533525"/>
+            <a:ext cx="1244600" cy="645160"/>
+          </a:xfrm>
+          <a:prstGeom prst="rect">
+            <a:avLst/>
+          </a:prstGeom>
+          <a:noFill/>
+          <a:ln w="12700">
+            <a:noFill/>
+          </a:ln>
+        </p:spPr>
+        <p:txBody>
+          <a:bodyPr wrap="square" rtlCol="0">
+            <a:spAutoFit/>
+          </a:bodyPr>
+          <a:p>
+            <a:pPr algn="ctr"/>
+            <a:r>
+              <a:rPr lang="zh-CN" altLang="en-US"/>
+              <a:t>生成代码</a:t>
+            </a:r>
+            <a:endParaRPr lang="en-US" altLang="zh-CN"/>
+          </a:p>
+          <a:p>
+            <a:pPr algn="ctr"/>
+            <a:r>
+              <a:rPr lang="en-US" altLang="zh-CN"/>
+              <a:t>main</a:t>
+            </a:r>
+            <a:r>
+              <a:rPr lang="zh-CN" altLang="en-US"/>
+              <a:t>.js</a:t>
+            </a:r>
+            <a:endParaRPr lang="zh-CN" altLang="en-US"/>
+          </a:p>
+        </p:txBody>
+      </p:sp>
+      <p:grpSp>
+        <p:nvGrpSpPr>
+          <p:cNvPr id="31" name="组合 30"/>
+          <p:cNvGrpSpPr/>
+          <p:nvPr/>
+        </p:nvGrpSpPr>
+        <p:grpSpPr>
+          <a:xfrm>
+            <a:off x="3529965" y="1943735"/>
+            <a:ext cx="2014220" cy="655955"/>
+            <a:chOff x="4425" y="3347"/>
+            <a:chExt cx="3172" cy="1033"/>
+          </a:xfrm>
+        </p:grpSpPr>
+        <p:sp>
+          <p:nvSpPr>
+            <p:cNvPr id="7" name="右箭头 6"/>
+            <p:cNvSpPr/>
+            <p:nvPr/>
+          </p:nvSpPr>
+          <p:spPr>
+            <a:xfrm>
+              <a:off x="4425" y="4054"/>
+              <a:ext cx="3172" cy="326"/>
+            </a:xfrm>
+            <a:prstGeom prst="rightArrow">
+              <a:avLst/>
+            </a:prstGeom>
+            <a:ln>
+              <a:noFill/>
+            </a:ln>
+          </p:spPr>
+          <p:style>
+            <a:lnRef idx="2">
+              <a:schemeClr val="accent1">
+                <a:shade val="50000"/>
+              </a:schemeClr>
+            </a:lnRef>
+            <a:fillRef idx="1">
+              <a:schemeClr val="accent1"/>
+            </a:fillRef>
+            <a:effectRef idx="0">
+              <a:schemeClr val="accent1"/>
+            </a:effectRef>
+            <a:fontRef idx="minor">
+              <a:schemeClr val="lt1"/>
+            </a:fontRef>
+          </p:style>
+          <p:txBody>
+            <a:bodyPr rtlCol="0" anchor="ctr"/>
+            <a:p>
+              <a:pPr algn="ctr"/>
+              <a:endParaRPr lang="zh-CN" altLang="en-US"/>
+            </a:p>
+          </p:txBody>
+        </p:sp>
+        <p:sp>
+          <p:nvSpPr>
+            <p:cNvPr id="21" name="文本框 20"/>
+            <p:cNvSpPr txBox="1"/>
+            <p:nvPr/>
+          </p:nvSpPr>
+          <p:spPr>
+            <a:xfrm>
+              <a:off x="5485" y="3347"/>
+              <a:ext cx="1051" cy="580"/>
+            </a:xfrm>
+            <a:prstGeom prst="rect">
+              <a:avLst/>
+            </a:prstGeom>
+            <a:noFill/>
+          </p:spPr>
+          <p:txBody>
+            <a:bodyPr wrap="square" rtlCol="0">
+              <a:spAutoFit/>
+            </a:bodyPr>
+            <a:p>
+              <a:r>
+                <a:rPr lang="zh-CN" altLang="en-US"/>
+                <a:t>生成</a:t>
+              </a:r>
+              <a:endParaRPr lang="zh-CN" altLang="en-US"/>
+            </a:p>
+          </p:txBody>
+        </p:sp>
+      </p:grpSp>
+      <p:sp>
+        <p:nvSpPr>
+          <p:cNvPr id="3" name="文本框 2"/>
+          <p:cNvSpPr txBox="1"/>
+          <p:nvPr/>
+        </p:nvSpPr>
+        <p:spPr>
+          <a:xfrm>
+            <a:off x="6178550" y="2517140"/>
+            <a:ext cx="1244600" cy="645160"/>
+          </a:xfrm>
+          <a:prstGeom prst="rect">
+            <a:avLst/>
+          </a:prstGeom>
+          <a:noFill/>
+          <a:ln w="12700">
+            <a:solidFill>
+              <a:schemeClr val="tx1"/>
+            </a:solidFill>
+          </a:ln>
+        </p:spPr>
+        <p:txBody>
+          <a:bodyPr wrap="square" rtlCol="0">
+            <a:spAutoFit/>
+          </a:bodyPr>
+          <a:p>
+            <a:pPr algn="ctr"/>
+            <a:r>
+              <a:rPr lang="en-US" altLang="zh-CN"/>
+              <a:t>44</a:t>
+            </a:r>
+            <a:endParaRPr lang="en-US" altLang="zh-CN"/>
+          </a:p>
+          <a:p>
+            <a:pPr algn="ctr"/>
+            <a:r>
+              <a:rPr lang="en-US" altLang="zh-CN"/>
+              <a:t>eval</a:t>
+            </a:r>
+            <a:r>
+              <a:rPr lang="zh-CN" altLang="en-US"/>
+              <a:t>中</a:t>
+            </a:r>
+            <a:r>
+              <a:rPr lang="zh-CN" altLang="en-US"/>
+              <a:t>代码</a:t>
+            </a:r>
+            <a:endParaRPr lang="zh-CN" altLang="en-US"/>
+          </a:p>
+        </p:txBody>
+      </p:sp>
+      <p:sp>
+        <p:nvSpPr>
+          <p:cNvPr id="23" name="文本框 22"/>
+          <p:cNvSpPr txBox="1"/>
+          <p:nvPr/>
+        </p:nvSpPr>
+        <p:spPr>
+          <a:xfrm>
+            <a:off x="1965325" y="2010410"/>
+            <a:ext cx="1244600" cy="645160"/>
+          </a:xfrm>
+          <a:prstGeom prst="rect">
+            <a:avLst/>
+          </a:prstGeom>
+          <a:noFill/>
+          <a:ln w="12700">
+            <a:solidFill>
+              <a:schemeClr val="tx1"/>
+            </a:solidFill>
+          </a:ln>
+        </p:spPr>
+        <p:txBody>
+          <a:bodyPr wrap="square" rtlCol="0">
+            <a:spAutoFit/>
+          </a:bodyPr>
+          <a:p>
+            <a:pPr algn="ctr"/>
+            <a:r>
+              <a:rPr lang="en-US" altLang="zh-CN"/>
+              <a:t>index</a:t>
+            </a:r>
+            <a:r>
+              <a:rPr lang="zh-CN" altLang="en-US"/>
+              <a:t>.js</a:t>
+            </a:r>
+            <a:endParaRPr lang="zh-CN" altLang="en-US"/>
+          </a:p>
+          <a:p>
+            <a:pPr algn="ctr"/>
+            <a:r>
+              <a:rPr lang="zh-CN" altLang="en-US"/>
+              <a:t>源代码</a:t>
+            </a:r>
+            <a:endParaRPr lang="zh-CN" altLang="en-US"/>
+          </a:p>
+        </p:txBody>
+      </p:sp>
+      <p:sp>
+        <p:nvSpPr>
+          <p:cNvPr id="27" name="文本框 26"/>
+          <p:cNvSpPr txBox="1"/>
+          <p:nvPr/>
+        </p:nvSpPr>
+        <p:spPr>
+          <a:xfrm>
+            <a:off x="3769995" y="4531995"/>
+            <a:ext cx="1869440" cy="368300"/>
+          </a:xfrm>
+          <a:prstGeom prst="rect">
+            <a:avLst/>
+          </a:prstGeom>
+          <a:noFill/>
+          <a:ln w="12700">
+            <a:solidFill>
+              <a:schemeClr val="tx1"/>
+            </a:solidFill>
+          </a:ln>
+        </p:spPr>
+        <p:txBody>
+          <a:bodyPr wrap="square" rtlCol="0">
+            <a:spAutoFit/>
+          </a:bodyPr>
+          <a:p>
+            <a:pPr algn="ctr"/>
+            <a:r>
+              <a:rPr lang="en-US" altLang="zh-CN"/>
+              <a:t>SoureceMap</a:t>
+            </a:r>
+            <a:r>
+              <a:rPr lang="zh-CN" altLang="en-US"/>
+              <a:t>数据</a:t>
+            </a:r>
+            <a:endParaRPr lang="zh-CN" altLang="en-US"/>
+          </a:p>
+        </p:txBody>
+      </p:sp>
+      <p:sp>
+        <p:nvSpPr>
+          <p:cNvPr id="13" name="矩形 12"/>
+          <p:cNvSpPr/>
+          <p:nvPr/>
+        </p:nvSpPr>
+        <p:spPr>
+          <a:xfrm>
+            <a:off x="5863590" y="1331595"/>
+            <a:ext cx="1967230" cy="2332990"/>
+          </a:xfrm>
+          <a:prstGeom prst="rect">
+            <a:avLst/>
+          </a:prstGeom>
+          <a:noFill/>
+          <a:ln w="19050">
+            <a:solidFill>
+              <a:schemeClr val="tx1"/>
+            </a:solidFill>
+          </a:ln>
+          <a:extLst>
+            <a:ext uri="{909E8E84-426E-40DD-AFC4-6F175D3DCCD1}">
+              <a14:hiddenFill xmlns:a14="http://schemas.microsoft.com/office/drawing/2010/main">
+                <a:solidFill>
+                  <a:schemeClr val="accent1"/>
+                </a:solidFill>
+              </a14:hiddenFill>
+            </a:ext>
+          </a:extLst>
+        </p:spPr>
+        <p:style>
+          <a:lnRef idx="2">
+            <a:schemeClr val="accent1">
+              <a:shade val="50000"/>
+            </a:schemeClr>
+          </a:lnRef>
+          <a:fillRef idx="1">
+            <a:schemeClr val="accent1"/>
+          </a:fillRef>
+          <a:effectRef idx="0">
+            <a:schemeClr val="accent1"/>
+          </a:effectRef>
+          <a:fontRef idx="minor">
+            <a:schemeClr val="lt1"/>
+          </a:fontRef>
+        </p:style>
+        <p:txBody>
+          <a:bodyPr rtlCol="0" anchor="ctr"/>
+          <a:p>
+            <a:pPr algn="ctr"/>
+            <a:endParaRPr lang="zh-CN" altLang="en-US"/>
+          </a:p>
+        </p:txBody>
+      </p:sp>
+      <p:sp>
+        <p:nvSpPr>
+          <p:cNvPr id="15" name="右箭头 14"/>
+          <p:cNvSpPr/>
+          <p:nvPr/>
+        </p:nvSpPr>
+        <p:spPr>
+          <a:xfrm rot="14160000">
+            <a:off x="2308860" y="3444875"/>
+            <a:ext cx="2014220" cy="207010"/>
+          </a:xfrm>
+          <a:prstGeom prst="rightArrow">
+            <a:avLst/>
+          </a:prstGeom>
+          <a:ln>
+            <a:noFill/>
+          </a:ln>
+        </p:spPr>
+        <p:style>
+          <a:lnRef idx="2">
+            <a:schemeClr val="accent1">
+              <a:shade val="50000"/>
+            </a:schemeClr>
+          </a:lnRef>
+          <a:fillRef idx="1">
+            <a:schemeClr val="accent1"/>
+          </a:fillRef>
+          <a:effectRef idx="0">
+            <a:schemeClr val="accent1"/>
+          </a:effectRef>
+          <a:fontRef idx="minor">
+            <a:schemeClr val="lt1"/>
+          </a:fontRef>
+        </p:style>
+        <p:txBody>
+          <a:bodyPr rtlCol="0" anchor="ctr"/>
+          <a:p>
+            <a:pPr algn="ctr"/>
+            <a:endParaRPr lang="zh-CN" altLang="en-US"/>
+          </a:p>
+        </p:txBody>
+      </p:sp>
+      <p:sp>
+        <p:nvSpPr>
+          <p:cNvPr id="16" name="右箭头 15"/>
+          <p:cNvSpPr/>
+          <p:nvPr/>
+        </p:nvSpPr>
+        <p:spPr>
+          <a:xfrm rot="7440000">
+            <a:off x="5165725" y="3646805"/>
+            <a:ext cx="1495425" cy="207010"/>
+          </a:xfrm>
+          <a:prstGeom prst="rightArrow">
+            <a:avLst/>
+          </a:prstGeom>
+          <a:ln>
+            <a:noFill/>
+          </a:ln>
+        </p:spPr>
+        <p:style>
+          <a:lnRef idx="2">
+            <a:schemeClr val="accent1">
+              <a:shade val="50000"/>
+            </a:schemeClr>
+          </a:lnRef>
+          <a:fillRef idx="1">
+            <a:schemeClr val="accent1"/>
+          </a:fillRef>
+          <a:effectRef idx="0">
+            <a:schemeClr val="accent1"/>
+          </a:effectRef>
+          <a:fontRef idx="minor">
+            <a:schemeClr val="lt1"/>
+          </a:fontRef>
+        </p:style>
+        <p:txBody>
+          <a:bodyPr rtlCol="0" anchor="ctr"/>
+          <a:p>
+            <a:pPr algn="ctr"/>
+            <a:endParaRPr lang="zh-CN" altLang="en-US"/>
+          </a:p>
+        </p:txBody>
+      </p:sp>
+    </p:spTree>
+  </p:cSld>
+  <p:clrMapOvr>
+    <a:masterClrMapping/>
+  </p:clrMapOvr>
+</p:sld>
+</file>
+
 <file path=ppt/tags/tag1.xml><?xml version="1.0" encoding="utf-8"?>
 <p:tagLst xmlns:p="http://schemas.openxmlformats.org/presentationml/2006/main">
   <p:tag name="KSO_WM_UNIT_TABLE_BEAUTIFY" val="smartTable{e8ebea44-6430-4dd4-bcdd-21c1d86577b7}"/>

--- a/raws/画图.pptx
+++ b/raws/画图.pptx
@@ -9408,8 +9408,8 @@
         </p:nvSpPr>
         <p:spPr>
           <a:xfrm>
-            <a:off x="1383665" y="2318385"/>
-            <a:ext cx="1244600" cy="645160"/>
+            <a:off x="1035685" y="1788160"/>
+            <a:ext cx="1244600" cy="368300"/>
           </a:xfrm>
           <a:prstGeom prst="rect">
             <a:avLst/>
@@ -9428,16 +9428,12 @@
           <a:p>
             <a:pPr algn="ctr"/>
             <a:r>
+              <a:rPr lang="en-US" altLang="zh-CN"/>
+              <a:t>index2</a:t>
+            </a:r>
+            <a:r>
               <a:rPr lang="zh-CN" altLang="en-US"/>
-              <a:t>src1.js</a:t>
-            </a:r>
-            <a:endParaRPr lang="zh-CN" altLang="en-US"/>
-          </a:p>
-          <a:p>
-            <a:pPr algn="ctr"/>
-            <a:r>
-              <a:rPr lang="zh-CN" altLang="en-US"/>
-              <a:t>1行1列</a:t>
+              <a:t>.js</a:t>
             </a:r>
             <a:endParaRPr lang="zh-CN" altLang="en-US"/>
           </a:p>
@@ -9451,10 +9447,10 @@
         </p:nvGrpSpPr>
         <p:grpSpPr>
           <a:xfrm>
-            <a:off x="2785110" y="2088515"/>
-            <a:ext cx="2063750" cy="1104900"/>
-            <a:chOff x="4386" y="3347"/>
-            <a:chExt cx="3250" cy="1740"/>
+            <a:off x="2543175" y="1419860"/>
+            <a:ext cx="2014220" cy="655955"/>
+            <a:chOff x="4425" y="3347"/>
+            <a:chExt cx="3172" cy="1033"/>
           </a:xfrm>
         </p:grpSpPr>
         <p:sp>
@@ -9528,35 +9524,6 @@
             </a:p>
           </p:txBody>
         </p:sp>
-        <p:sp>
-          <p:nvSpPr>
-            <p:cNvPr id="2" name="文本框 1"/>
-            <p:cNvSpPr txBox="1"/>
-            <p:nvPr/>
-          </p:nvSpPr>
-          <p:spPr>
-            <a:xfrm>
-              <a:off x="4386" y="4507"/>
-              <a:ext cx="3250" cy="580"/>
-            </a:xfrm>
-            <a:prstGeom prst="rect">
-              <a:avLst/>
-            </a:prstGeom>
-            <a:noFill/>
-          </p:spPr>
-          <p:txBody>
-            <a:bodyPr wrap="square" rtlCol="0">
-              <a:spAutoFit/>
-            </a:bodyPr>
-            <a:p>
-              <a:r>
-                <a:rPr lang="zh-CN" altLang="en-US"/>
-                <a:t>第一个SourceMap</a:t>
-              </a:r>
-              <a:endParaRPr lang="zh-CN" altLang="en-US"/>
-            </a:p>
-          </p:txBody>
-        </p:sp>
       </p:grpSp>
       <p:sp>
         <p:nvSpPr>
@@ -9566,8 +9533,8 @@
         </p:nvSpPr>
         <p:spPr>
           <a:xfrm>
-            <a:off x="5119370" y="2318385"/>
-            <a:ext cx="1244600" cy="645160"/>
+            <a:off x="4997450" y="1564005"/>
+            <a:ext cx="1244600" cy="368300"/>
           </a:xfrm>
           <a:prstGeom prst="rect">
             <a:avLst/>
@@ -9587,31 +9554,11 @@
             <a:pPr algn="ctr"/>
             <a:r>
               <a:rPr lang="en-US" altLang="zh-CN"/>
-              <a:t>dist1</a:t>
+              <a:t>project1</a:t>
             </a:r>
             <a:r>
               <a:rPr lang="zh-CN" altLang="en-US"/>
               <a:t>.js</a:t>
-            </a:r>
-            <a:endParaRPr lang="zh-CN" altLang="en-US"/>
-          </a:p>
-          <a:p>
-            <a:pPr algn="ctr"/>
-            <a:r>
-              <a:rPr lang="en-US" altLang="zh-CN"/>
-              <a:t>2</a:t>
-            </a:r>
-            <a:r>
-              <a:rPr lang="zh-CN" altLang="en-US"/>
-              <a:t>行</a:t>
-            </a:r>
-            <a:r>
-              <a:rPr lang="en-US" altLang="zh-CN"/>
-              <a:t>2</a:t>
-            </a:r>
-            <a:r>
-              <a:rPr lang="zh-CN" altLang="en-US"/>
-              <a:t>列</a:t>
             </a:r>
             <a:endParaRPr lang="zh-CN" altLang="en-US"/>
           </a:p>
@@ -9625,10 +9572,10 @@
         </p:nvGrpSpPr>
         <p:grpSpPr>
           <a:xfrm>
-            <a:off x="6648450" y="2097088"/>
-            <a:ext cx="2063750" cy="1087755"/>
-            <a:chOff x="10470" y="3307"/>
-            <a:chExt cx="3250" cy="1713"/>
+            <a:off x="6773545" y="1494473"/>
+            <a:ext cx="2014220" cy="644525"/>
+            <a:chOff x="10509" y="3307"/>
+            <a:chExt cx="3172" cy="1015"/>
           </a:xfrm>
         </p:grpSpPr>
         <p:sp>
@@ -9702,39 +9649,6 @@
             </a:p>
           </p:txBody>
         </p:sp>
-        <p:sp>
-          <p:nvSpPr>
-            <p:cNvPr id="8" name="文本框 7"/>
-            <p:cNvSpPr txBox="1"/>
-            <p:nvPr/>
-          </p:nvSpPr>
-          <p:spPr>
-            <a:xfrm>
-              <a:off x="10470" y="4440"/>
-              <a:ext cx="3250" cy="580"/>
-            </a:xfrm>
-            <a:prstGeom prst="rect">
-              <a:avLst/>
-            </a:prstGeom>
-            <a:noFill/>
-          </p:spPr>
-          <p:txBody>
-            <a:bodyPr wrap="square" rtlCol="0">
-              <a:spAutoFit/>
-            </a:bodyPr>
-            <a:p>
-              <a:r>
-                <a:rPr lang="zh-CN" altLang="en-US"/>
-                <a:t>第</a:t>
-              </a:r>
-              <a:r>
-                <a:rPr lang="zh-CN" altLang="en-US"/>
-                <a:t>二个SourceMap</a:t>
-              </a:r>
-              <a:endParaRPr lang="zh-CN" altLang="en-US"/>
-            </a:p>
-          </p:txBody>
-        </p:sp>
       </p:grpSp>
       <p:sp>
         <p:nvSpPr>
@@ -9744,8 +9658,8 @@
         </p:nvSpPr>
         <p:spPr>
           <a:xfrm>
-            <a:off x="8855075" y="2318385"/>
-            <a:ext cx="1244600" cy="645160"/>
+            <a:off x="9041765" y="1604645"/>
+            <a:ext cx="1244600" cy="368300"/>
           </a:xfrm>
           <a:prstGeom prst="rect">
             <a:avLst/>
@@ -9765,7 +9679,7 @@
             <a:pPr algn="ctr"/>
             <a:r>
               <a:rPr lang="en-US" altLang="zh-CN"/>
-              <a:t>dist2</a:t>
+              <a:t>main</a:t>
             </a:r>
             <a:r>
               <a:rPr lang="zh-CN" altLang="en-US"/>
@@ -9773,26 +9687,6 @@
             </a:r>
             <a:endParaRPr lang="zh-CN" altLang="en-US"/>
           </a:p>
-          <a:p>
-            <a:pPr algn="ctr"/>
-            <a:r>
-              <a:rPr lang="en-US" altLang="zh-CN"/>
-              <a:t>3</a:t>
-            </a:r>
-            <a:r>
-              <a:rPr lang="zh-CN" altLang="en-US"/>
-              <a:t>行</a:t>
-            </a:r>
-            <a:r>
-              <a:rPr lang="en-US" altLang="zh-CN"/>
-              <a:t>3</a:t>
-            </a:r>
-            <a:r>
-              <a:rPr lang="zh-CN" altLang="en-US"/>
-              <a:t>列</a:t>
-            </a:r>
-            <a:endParaRPr lang="zh-CN" altLang="en-US"/>
-          </a:p>
         </p:txBody>
       </p:sp>
       <p:sp>
@@ -9803,8 +9697,8 @@
         </p:nvSpPr>
         <p:spPr>
           <a:xfrm>
-            <a:off x="3036570" y="4826635"/>
-            <a:ext cx="1244600" cy="645160"/>
+            <a:off x="4997450" y="4003675"/>
+            <a:ext cx="1244600" cy="368300"/>
           </a:xfrm>
           <a:prstGeom prst="rect">
             <a:avLst/>
@@ -9823,31 +9717,27 @@
           <a:p>
             <a:pPr algn="ctr"/>
             <a:r>
+              <a:rPr lang="en-US" altLang="zh-CN"/>
+              <a:t>index</a:t>
+            </a:r>
+            <a:r>
               <a:rPr lang="zh-CN" altLang="en-US"/>
-              <a:t>src1.js</a:t>
+              <a:t>.js</a:t>
             </a:r>
             <a:endParaRPr lang="zh-CN" altLang="en-US"/>
           </a:p>
-          <a:p>
-            <a:pPr algn="ctr"/>
-            <a:r>
-              <a:rPr lang="zh-CN" altLang="en-US"/>
-              <a:t>1行1列</a:t>
-            </a:r>
-            <a:endParaRPr lang="zh-CN" altLang="en-US"/>
-          </a:p>
-        </p:txBody>
-      </p:sp>
-      <p:sp>
-        <p:nvSpPr>
-          <p:cNvPr id="27" name="文本框 26"/>
+        </p:txBody>
+      </p:sp>
+      <p:sp>
+        <p:nvSpPr>
+          <p:cNvPr id="9" name="文本框 8"/>
           <p:cNvSpPr txBox="1"/>
           <p:nvPr/>
         </p:nvSpPr>
         <p:spPr>
           <a:xfrm>
-            <a:off x="7110730" y="4826635"/>
-            <a:ext cx="1244600" cy="645160"/>
+            <a:off x="4734560" y="2156460"/>
+            <a:ext cx="1771015" cy="368300"/>
           </a:xfrm>
           <a:prstGeom prst="rect">
             <a:avLst/>
@@ -9867,157 +9757,94 @@
             <a:pPr algn="ctr"/>
             <a:r>
               <a:rPr lang="en-US" altLang="zh-CN"/>
-              <a:t>dist2</a:t>
+              <a:t>project1</a:t>
             </a:r>
             <a:r>
               <a:rPr lang="zh-CN" altLang="en-US"/>
               <a:t>.js</a:t>
             </a:r>
-            <a:endParaRPr lang="zh-CN" altLang="en-US"/>
-          </a:p>
+            <a:r>
+              <a:rPr lang="en-US" altLang="zh-CN"/>
+              <a:t>.</a:t>
+            </a:r>
+            <a:r>
+              <a:rPr lang="en-US" altLang="zh-CN"/>
+              <a:t>map</a:t>
+            </a:r>
+            <a:endParaRPr lang="en-US" altLang="zh-CN"/>
+          </a:p>
+        </p:txBody>
+      </p:sp>
+      <p:sp>
+        <p:nvSpPr>
+          <p:cNvPr id="10" name="文本框 9"/>
+          <p:cNvSpPr txBox="1"/>
+          <p:nvPr/>
+        </p:nvSpPr>
+        <p:spPr>
+          <a:xfrm>
+            <a:off x="8959850" y="2219960"/>
+            <a:ext cx="1459230" cy="368300"/>
+          </a:xfrm>
+          <a:prstGeom prst="rect">
+            <a:avLst/>
+          </a:prstGeom>
+          <a:noFill/>
+          <a:ln w="12700">
+            <a:solidFill>
+              <a:schemeClr val="tx1"/>
+            </a:solidFill>
+          </a:ln>
+        </p:spPr>
+        <p:txBody>
+          <a:bodyPr wrap="square" rtlCol="0">
+            <a:spAutoFit/>
+          </a:bodyPr>
           <a:p>
             <a:pPr algn="ctr"/>
             <a:r>
               <a:rPr lang="en-US" altLang="zh-CN"/>
-              <a:t>3</a:t>
+              <a:t>main</a:t>
             </a:r>
             <a:r>
               <a:rPr lang="zh-CN" altLang="en-US"/>
-              <a:t>行</a:t>
+              <a:t>.js</a:t>
             </a:r>
             <a:r>
               <a:rPr lang="en-US" altLang="zh-CN"/>
-              <a:t>3</a:t>
-            </a:r>
-            <a:r>
-              <a:rPr lang="zh-CN" altLang="en-US"/>
-              <a:t>列</a:t>
-            </a:r>
-            <a:endParaRPr lang="zh-CN" altLang="en-US"/>
+              <a:t>.</a:t>
+            </a:r>
+            <a:r>
+              <a:rPr lang="en-US" altLang="zh-CN"/>
+              <a:t>map</a:t>
+            </a:r>
+            <a:endParaRPr lang="en-US" altLang="zh-CN"/>
           </a:p>
         </p:txBody>
       </p:sp>
       <p:grpSp>
         <p:nvGrpSpPr>
-          <p:cNvPr id="33" name="组合 32"/>
+          <p:cNvPr id="14" name="组合 13"/>
           <p:cNvGrpSpPr/>
           <p:nvPr/>
         </p:nvGrpSpPr>
         <p:grpSpPr>
-          <a:xfrm>
-            <a:off x="5417185" y="3580765"/>
-            <a:ext cx="1491615" cy="707390"/>
-            <a:chOff x="8485" y="5609"/>
-            <a:chExt cx="2349" cy="1114"/>
+          <a:xfrm rot="19860000">
+            <a:off x="6428105" y="2990850"/>
+            <a:ext cx="2675890" cy="644525"/>
+            <a:chOff x="10509" y="3307"/>
+            <a:chExt cx="3172" cy="1015"/>
           </a:xfrm>
         </p:grpSpPr>
         <p:sp>
           <p:nvSpPr>
-            <p:cNvPr id="26" name="下箭头 25"/>
+            <p:cNvPr id="15" name="右箭头 14"/>
             <p:cNvSpPr/>
             <p:nvPr/>
           </p:nvSpPr>
           <p:spPr>
             <a:xfrm>
-              <a:off x="8485" y="5609"/>
-              <a:ext cx="1015" cy="1115"/>
-            </a:xfrm>
-            <a:prstGeom prst="downArrow">
-              <a:avLst/>
-            </a:prstGeom>
-            <a:noFill/>
-            <a:ln w="38100">
-              <a:solidFill>
-                <a:srgbClr val="0070C0"/>
-              </a:solidFill>
-            </a:ln>
-            <a:extLst>
-              <a:ext uri="{909E8E84-426E-40DD-AFC4-6F175D3DCCD1}">
-                <a14:hiddenFill xmlns:a14="http://schemas.microsoft.com/office/drawing/2010/main">
-                  <a:solidFill>
-                    <a:schemeClr val="accent1"/>
-                  </a:solidFill>
-                </a14:hiddenFill>
-              </a:ext>
-            </a:extLst>
-          </p:spPr>
-          <p:style>
-            <a:lnRef idx="2">
-              <a:schemeClr val="accent1">
-                <a:shade val="50000"/>
-              </a:schemeClr>
-            </a:lnRef>
-            <a:fillRef idx="1">
-              <a:schemeClr val="accent1"/>
-            </a:fillRef>
-            <a:effectRef idx="0">
-              <a:schemeClr val="accent1"/>
-            </a:effectRef>
-            <a:fontRef idx="minor">
-              <a:schemeClr val="lt1"/>
-            </a:fontRef>
-          </p:style>
-          <p:txBody>
-            <a:bodyPr rtlCol="0" anchor="ctr"/>
-            <a:p>
-              <a:pPr algn="ctr"/>
-              <a:endParaRPr lang="zh-CN" altLang="en-US"/>
-            </a:p>
-          </p:txBody>
-        </p:sp>
-        <p:sp>
-          <p:nvSpPr>
-            <p:cNvPr id="29" name="文本框 28"/>
-            <p:cNvSpPr txBox="1"/>
-            <p:nvPr/>
-          </p:nvSpPr>
-          <p:spPr>
-            <a:xfrm>
-              <a:off x="9784" y="5877"/>
-              <a:ext cx="1051" cy="580"/>
-            </a:xfrm>
-            <a:prstGeom prst="rect">
-              <a:avLst/>
-            </a:prstGeom>
-            <a:noFill/>
-          </p:spPr>
-          <p:txBody>
-            <a:bodyPr wrap="square" rtlCol="0">
-              <a:spAutoFit/>
-            </a:bodyPr>
-            <a:p>
-              <a:r>
-                <a:rPr lang="zh-CN" altLang="en-US"/>
-                <a:t>合并</a:t>
-              </a:r>
-              <a:endParaRPr lang="zh-CN" altLang="en-US"/>
-            </a:p>
-          </p:txBody>
-        </p:sp>
-      </p:grpSp>
-      <p:grpSp>
-        <p:nvGrpSpPr>
-          <p:cNvPr id="34" name="组合 33"/>
-          <p:cNvGrpSpPr/>
-          <p:nvPr/>
-        </p:nvGrpSpPr>
-        <p:grpSpPr>
-          <a:xfrm>
-            <a:off x="4709795" y="4976495"/>
-            <a:ext cx="2063750" cy="662940"/>
-            <a:chOff x="7277" y="7827"/>
-            <a:chExt cx="3250" cy="1044"/>
-          </a:xfrm>
-        </p:grpSpPr>
-        <p:sp>
-          <p:nvSpPr>
-            <p:cNvPr id="28" name="右箭头 27"/>
-            <p:cNvSpPr/>
-            <p:nvPr/>
-          </p:nvSpPr>
-          <p:spPr>
-            <a:xfrm>
-              <a:off x="7277" y="7827"/>
+              <a:off x="10509" y="3996"/>
               <a:ext cx="3172" cy="326"/>
             </a:xfrm>
             <a:prstGeom prst="rightArrow">
@@ -10053,14 +9880,14 @@
         </p:sp>
         <p:sp>
           <p:nvSpPr>
-            <p:cNvPr id="30" name="文本框 29"/>
+            <p:cNvPr id="16" name="文本框 15"/>
             <p:cNvSpPr txBox="1"/>
             <p:nvPr/>
           </p:nvSpPr>
           <p:spPr>
             <a:xfrm>
-              <a:off x="7277" y="8291"/>
-              <a:ext cx="3250" cy="580"/>
+              <a:off x="11547" y="3307"/>
+              <a:ext cx="1051" cy="580"/>
             </a:xfrm>
             <a:prstGeom prst="rect">
               <a:avLst/>
@@ -10074,17 +9901,88 @@
             <a:p>
               <a:r>
                 <a:rPr lang="zh-CN" altLang="en-US"/>
-                <a:t>合并</a:t>
-              </a:r>
-              <a:r>
-                <a:rPr lang="zh-CN" altLang="en-US"/>
-                <a:t>后SourceMap</a:t>
+                <a:t>生成</a:t>
               </a:r>
               <a:endParaRPr lang="zh-CN" altLang="en-US"/>
             </a:p>
           </p:txBody>
         </p:sp>
       </p:grpSp>
+      <p:cxnSp>
+        <p:nvCxnSpPr>
+          <p:cNvPr id="18" name="曲线连接符 17"/>
+          <p:cNvCxnSpPr/>
+          <p:nvPr/>
+        </p:nvCxnSpPr>
+        <p:spPr>
+          <a:xfrm rot="10800000">
+            <a:off x="1657350" y="1788160"/>
+            <a:ext cx="8761095" cy="612140"/>
+          </a:xfrm>
+          <a:prstGeom prst="curvedConnector4">
+            <a:avLst>
+              <a:gd name="adj1" fmla="val -1529"/>
+              <a:gd name="adj2" fmla="val 314626"/>
+            </a:avLst>
+          </a:prstGeom>
+          <a:ln>
+            <a:tailEnd type="arrow"/>
+          </a:ln>
+        </p:spPr>
+        <p:style>
+          <a:lnRef idx="1">
+            <a:schemeClr val="accent1"/>
+          </a:lnRef>
+          <a:fillRef idx="0">
+            <a:schemeClr val="accent1"/>
+          </a:fillRef>
+          <a:effectRef idx="0">
+            <a:schemeClr val="accent1"/>
+          </a:effectRef>
+          <a:fontRef idx="minor">
+            <a:schemeClr val="tx1"/>
+          </a:fontRef>
+        </p:style>
+      </p:cxnSp>
+      <p:cxnSp>
+        <p:nvCxnSpPr>
+          <p:cNvPr id="19" name="曲线连接符 18"/>
+          <p:cNvCxnSpPr>
+            <a:stCxn id="10" idx="3"/>
+            <a:endCxn id="25" idx="2"/>
+          </p:cNvCxnSpPr>
+          <p:nvPr/>
+        </p:nvCxnSpPr>
+        <p:spPr>
+          <a:xfrm flipH="1">
+            <a:off x="5619750" y="2404110"/>
+            <a:ext cx="4799330" cy="1967865"/>
+          </a:xfrm>
+          <a:prstGeom prst="curvedConnector4">
+            <a:avLst>
+              <a:gd name="adj1" fmla="val -4962"/>
+              <a:gd name="adj2" fmla="val 112101"/>
+            </a:avLst>
+          </a:prstGeom>
+          <a:ln>
+            <a:tailEnd type="arrow"/>
+          </a:ln>
+        </p:spPr>
+        <p:style>
+          <a:lnRef idx="1">
+            <a:schemeClr val="accent1"/>
+          </a:lnRef>
+          <a:fillRef idx="0">
+            <a:schemeClr val="accent1"/>
+          </a:fillRef>
+          <a:effectRef idx="0">
+            <a:schemeClr val="accent1"/>
+          </a:effectRef>
+          <a:fontRef idx="minor">
+            <a:schemeClr val="tx1"/>
+          </a:fontRef>
+        </p:style>
+      </p:cxnSp>
     </p:spTree>
   </p:cSld>
   <p:clrMapOvr>

--- a/raws/画图.pptx
+++ b/raws/画图.pptx
@@ -12,11 +12,12 @@
     <p:sldId id="261" r:id="rId7"/>
     <p:sldId id="262" r:id="rId8"/>
     <p:sldId id="263" r:id="rId9"/>
+    <p:sldId id="264" r:id="rId10"/>
   </p:sldIdLst>
   <p:sldSz cx="12192000" cy="6858000"/>
   <p:notesSz cx="6858000" cy="9144000"/>
   <p:custDataLst>
-    <p:tags r:id="rId13"/>
+    <p:tags r:id="rId14"/>
   </p:custDataLst>
   <p:defaultTextStyle>
     <a:defPPr>
@@ -10415,6 +10416,722 @@
 </p:sld>
 </file>
 
+<file path=ppt/slides/slide8.xml><?xml version="1.0" encoding="utf-8"?>
+<p:sld xmlns:a="http://schemas.openxmlformats.org/drawingml/2006/main" xmlns:r="http://schemas.openxmlformats.org/officeDocument/2006/relationships" xmlns:p="http://schemas.openxmlformats.org/presentationml/2006/main">
+  <p:cSld>
+    <p:spTree>
+      <p:nvGrpSpPr>
+        <p:cNvPr id="1" name=""/>
+        <p:cNvGrpSpPr/>
+        <p:nvPr/>
+      </p:nvGrpSpPr>
+      <p:grpSpPr/>
+      <p:grpSp>
+        <p:nvGrpSpPr>
+          <p:cNvPr id="31" name="组合 30"/>
+          <p:cNvGrpSpPr/>
+          <p:nvPr/>
+        </p:nvGrpSpPr>
+        <p:grpSpPr>
+          <a:xfrm>
+            <a:off x="3080385" y="1939925"/>
+            <a:ext cx="2014220" cy="655955"/>
+            <a:chOff x="4425" y="3347"/>
+            <a:chExt cx="3172" cy="1033"/>
+          </a:xfrm>
+        </p:grpSpPr>
+        <p:sp>
+          <p:nvSpPr>
+            <p:cNvPr id="7" name="右箭头 6"/>
+            <p:cNvSpPr/>
+            <p:nvPr/>
+          </p:nvSpPr>
+          <p:spPr>
+            <a:xfrm>
+              <a:off x="4425" y="4054"/>
+              <a:ext cx="3172" cy="326"/>
+            </a:xfrm>
+            <a:prstGeom prst="rightArrow">
+              <a:avLst/>
+            </a:prstGeom>
+            <a:ln>
+              <a:noFill/>
+            </a:ln>
+          </p:spPr>
+          <p:style>
+            <a:lnRef idx="2">
+              <a:schemeClr val="accent1">
+                <a:shade val="50000"/>
+              </a:schemeClr>
+            </a:lnRef>
+            <a:fillRef idx="1">
+              <a:schemeClr val="accent1"/>
+            </a:fillRef>
+            <a:effectRef idx="0">
+              <a:schemeClr val="accent1"/>
+            </a:effectRef>
+            <a:fontRef idx="minor">
+              <a:schemeClr val="lt1"/>
+            </a:fontRef>
+          </p:style>
+          <p:txBody>
+            <a:bodyPr rtlCol="0" anchor="ctr"/>
+            <a:p>
+              <a:pPr algn="ctr"/>
+              <a:endParaRPr lang="zh-CN" altLang="en-US"/>
+            </a:p>
+          </p:txBody>
+        </p:sp>
+        <p:sp>
+          <p:nvSpPr>
+            <p:cNvPr id="21" name="文本框 20"/>
+            <p:cNvSpPr txBox="1"/>
+            <p:nvPr/>
+          </p:nvSpPr>
+          <p:spPr>
+            <a:xfrm>
+              <a:off x="5485" y="3347"/>
+              <a:ext cx="1051" cy="580"/>
+            </a:xfrm>
+            <a:prstGeom prst="rect">
+              <a:avLst/>
+            </a:prstGeom>
+            <a:noFill/>
+          </p:spPr>
+          <p:txBody>
+            <a:bodyPr wrap="square" rtlCol="0">
+              <a:spAutoFit/>
+            </a:bodyPr>
+            <a:p>
+              <a:r>
+                <a:rPr lang="zh-CN" altLang="en-US"/>
+                <a:t>编译</a:t>
+              </a:r>
+              <a:endParaRPr lang="zh-CN" altLang="en-US"/>
+            </a:p>
+          </p:txBody>
+        </p:sp>
+      </p:grpSp>
+      <p:sp>
+        <p:nvSpPr>
+          <p:cNvPr id="23" name="文本框 22"/>
+          <p:cNvSpPr txBox="1"/>
+          <p:nvPr/>
+        </p:nvSpPr>
+        <p:spPr>
+          <a:xfrm>
+            <a:off x="1440815" y="2006600"/>
+            <a:ext cx="1244600" cy="645160"/>
+          </a:xfrm>
+          <a:prstGeom prst="rect">
+            <a:avLst/>
+          </a:prstGeom>
+          <a:noFill/>
+          <a:ln w="12700">
+            <a:solidFill>
+              <a:schemeClr val="tx1"/>
+            </a:solidFill>
+          </a:ln>
+        </p:spPr>
+        <p:txBody>
+          <a:bodyPr wrap="square" rtlCol="0">
+            <a:spAutoFit/>
+          </a:bodyPr>
+          <a:p>
+            <a:pPr algn="ctr"/>
+            <a:r>
+              <a:rPr lang="en-US" altLang="zh-CN"/>
+              <a:t>index</a:t>
+            </a:r>
+            <a:r>
+              <a:rPr lang="zh-CN" altLang="en-US"/>
+              <a:t>.</a:t>
+            </a:r>
+            <a:r>
+              <a:rPr lang="en-US" altLang="zh-CN"/>
+              <a:t>scss</a:t>
+            </a:r>
+            <a:endParaRPr lang="en-US" altLang="zh-CN"/>
+          </a:p>
+          <a:p>
+            <a:pPr algn="ctr"/>
+            <a:r>
+              <a:rPr lang="en-US" altLang="zh-CN"/>
+              <a:t>SCSS</a:t>
+            </a:r>
+            <a:r>
+              <a:rPr lang="zh-CN" altLang="en-US"/>
+              <a:t>文件</a:t>
+            </a:r>
+            <a:endParaRPr lang="zh-CN" altLang="en-US"/>
+          </a:p>
+        </p:txBody>
+      </p:sp>
+      <p:grpSp>
+        <p:nvGrpSpPr>
+          <p:cNvPr id="2" name="组合 1"/>
+          <p:cNvGrpSpPr/>
+          <p:nvPr/>
+        </p:nvGrpSpPr>
+        <p:grpSpPr>
+          <a:xfrm>
+            <a:off x="3042285" y="3081655"/>
+            <a:ext cx="2014220" cy="655955"/>
+            <a:chOff x="4425" y="3347"/>
+            <a:chExt cx="3172" cy="1033"/>
+          </a:xfrm>
+        </p:grpSpPr>
+        <p:sp>
+          <p:nvSpPr>
+            <p:cNvPr id="4" name="右箭头 3"/>
+            <p:cNvSpPr/>
+            <p:nvPr/>
+          </p:nvSpPr>
+          <p:spPr>
+            <a:xfrm>
+              <a:off x="4425" y="4054"/>
+              <a:ext cx="3172" cy="326"/>
+            </a:xfrm>
+            <a:prstGeom prst="rightArrow">
+              <a:avLst/>
+            </a:prstGeom>
+            <a:ln>
+              <a:noFill/>
+            </a:ln>
+          </p:spPr>
+          <p:style>
+            <a:lnRef idx="2">
+              <a:schemeClr val="accent1">
+                <a:shade val="50000"/>
+              </a:schemeClr>
+            </a:lnRef>
+            <a:fillRef idx="1">
+              <a:schemeClr val="accent1"/>
+            </a:fillRef>
+            <a:effectRef idx="0">
+              <a:schemeClr val="accent1"/>
+            </a:effectRef>
+            <a:fontRef idx="minor">
+              <a:schemeClr val="lt1"/>
+            </a:fontRef>
+          </p:style>
+          <p:txBody>
+            <a:bodyPr rtlCol="0" anchor="ctr"/>
+            <a:p>
+              <a:pPr algn="ctr"/>
+              <a:endParaRPr lang="zh-CN" altLang="en-US"/>
+            </a:p>
+          </p:txBody>
+        </p:sp>
+        <p:sp>
+          <p:nvSpPr>
+            <p:cNvPr id="6" name="文本框 5"/>
+            <p:cNvSpPr txBox="1"/>
+            <p:nvPr/>
+          </p:nvSpPr>
+          <p:spPr>
+            <a:xfrm>
+              <a:off x="5485" y="3347"/>
+              <a:ext cx="1051" cy="580"/>
+            </a:xfrm>
+            <a:prstGeom prst="rect">
+              <a:avLst/>
+            </a:prstGeom>
+            <a:noFill/>
+          </p:spPr>
+          <p:txBody>
+            <a:bodyPr wrap="square" rtlCol="0">
+              <a:spAutoFit/>
+            </a:bodyPr>
+            <a:p>
+              <a:r>
+                <a:rPr lang="zh-CN" altLang="en-US"/>
+                <a:t>编译</a:t>
+              </a:r>
+              <a:endParaRPr lang="zh-CN" altLang="en-US"/>
+            </a:p>
+          </p:txBody>
+        </p:sp>
+      </p:grpSp>
+      <p:sp>
+        <p:nvSpPr>
+          <p:cNvPr id="8" name="文本框 7"/>
+          <p:cNvSpPr txBox="1"/>
+          <p:nvPr/>
+        </p:nvSpPr>
+        <p:spPr>
+          <a:xfrm>
+            <a:off x="1402715" y="3148330"/>
+            <a:ext cx="1244600" cy="645160"/>
+          </a:xfrm>
+          <a:prstGeom prst="rect">
+            <a:avLst/>
+          </a:prstGeom>
+          <a:noFill/>
+          <a:ln w="12700">
+            <a:solidFill>
+              <a:schemeClr val="tx1"/>
+            </a:solidFill>
+          </a:ln>
+        </p:spPr>
+        <p:txBody>
+          <a:bodyPr wrap="square" rtlCol="0">
+            <a:spAutoFit/>
+          </a:bodyPr>
+          <a:p>
+            <a:pPr algn="ctr"/>
+            <a:r>
+              <a:rPr lang="en-US" altLang="zh-CN"/>
+              <a:t>index</a:t>
+            </a:r>
+            <a:r>
+              <a:rPr lang="zh-CN" altLang="en-US"/>
+              <a:t>.</a:t>
+            </a:r>
+            <a:r>
+              <a:rPr lang="en-US" altLang="zh-CN"/>
+              <a:t>less</a:t>
+            </a:r>
+            <a:endParaRPr lang="en-US" altLang="zh-CN"/>
+          </a:p>
+          <a:p>
+            <a:pPr algn="ctr"/>
+            <a:r>
+              <a:rPr lang="en-US" altLang="zh-CN"/>
+              <a:t>Less</a:t>
+            </a:r>
+            <a:r>
+              <a:rPr lang="zh-CN" altLang="en-US"/>
+              <a:t>文件</a:t>
+            </a:r>
+            <a:endParaRPr lang="zh-CN" altLang="en-US"/>
+          </a:p>
+        </p:txBody>
+      </p:sp>
+      <p:sp>
+        <p:nvSpPr>
+          <p:cNvPr id="9" name="文本框 8"/>
+          <p:cNvSpPr txBox="1"/>
+          <p:nvPr/>
+        </p:nvSpPr>
+        <p:spPr>
+          <a:xfrm>
+            <a:off x="5521960" y="2595880"/>
+            <a:ext cx="1244600" cy="922020"/>
+          </a:xfrm>
+          <a:prstGeom prst="rect">
+            <a:avLst/>
+          </a:prstGeom>
+          <a:noFill/>
+          <a:ln w="12700">
+            <a:solidFill>
+              <a:schemeClr val="tx1"/>
+            </a:solidFill>
+          </a:ln>
+        </p:spPr>
+        <p:txBody>
+          <a:bodyPr wrap="square" rtlCol="0">
+            <a:spAutoFit/>
+          </a:bodyPr>
+          <a:p>
+            <a:pPr algn="ctr"/>
+            <a:r>
+              <a:rPr lang="en-US" altLang="zh-CN"/>
+              <a:t>index</a:t>
+            </a:r>
+            <a:r>
+              <a:rPr lang="zh-CN" altLang="en-US"/>
+              <a:t>.</a:t>
+            </a:r>
+            <a:r>
+              <a:rPr lang="en-US" altLang="zh-CN"/>
+              <a:t>css</a:t>
+            </a:r>
+            <a:endParaRPr lang="en-US" altLang="zh-CN"/>
+          </a:p>
+          <a:p>
+            <a:pPr algn="ctr"/>
+            <a:r>
+              <a:rPr lang="en-US" altLang="zh-CN"/>
+              <a:t>CSS</a:t>
+            </a:r>
+            <a:r>
+              <a:rPr lang="zh-CN" altLang="en-US"/>
+              <a:t>文件</a:t>
+            </a:r>
+            <a:endParaRPr lang="zh-CN" altLang="en-US"/>
+          </a:p>
+          <a:p>
+            <a:pPr algn="ctr"/>
+            <a:r>
+              <a:rPr lang="zh-CN" altLang="en-US"/>
+              <a:t>中间</a:t>
+            </a:r>
+            <a:r>
+              <a:rPr lang="zh-CN" altLang="en-US"/>
+              <a:t>产物</a:t>
+            </a:r>
+            <a:endParaRPr lang="zh-CN" altLang="en-US"/>
+          </a:p>
+        </p:txBody>
+      </p:sp>
+      <p:grpSp>
+        <p:nvGrpSpPr>
+          <p:cNvPr id="11" name="组合 10"/>
+          <p:cNvGrpSpPr/>
+          <p:nvPr/>
+        </p:nvGrpSpPr>
+        <p:grpSpPr>
+          <a:xfrm>
+            <a:off x="7097395" y="2699385"/>
+            <a:ext cx="2014220" cy="655955"/>
+            <a:chOff x="4425" y="3347"/>
+            <a:chExt cx="3172" cy="1033"/>
+          </a:xfrm>
+        </p:grpSpPr>
+        <p:sp>
+          <p:nvSpPr>
+            <p:cNvPr id="12" name="右箭头 11"/>
+            <p:cNvSpPr/>
+            <p:nvPr/>
+          </p:nvSpPr>
+          <p:spPr>
+            <a:xfrm>
+              <a:off x="4425" y="4054"/>
+              <a:ext cx="3172" cy="326"/>
+            </a:xfrm>
+            <a:prstGeom prst="rightArrow">
+              <a:avLst/>
+            </a:prstGeom>
+            <a:ln>
+              <a:noFill/>
+            </a:ln>
+          </p:spPr>
+          <p:style>
+            <a:lnRef idx="2">
+              <a:schemeClr val="accent1">
+                <a:shade val="50000"/>
+              </a:schemeClr>
+            </a:lnRef>
+            <a:fillRef idx="1">
+              <a:schemeClr val="accent1"/>
+            </a:fillRef>
+            <a:effectRef idx="0">
+              <a:schemeClr val="accent1"/>
+            </a:effectRef>
+            <a:fontRef idx="minor">
+              <a:schemeClr val="lt1"/>
+            </a:fontRef>
+          </p:style>
+          <p:txBody>
+            <a:bodyPr rtlCol="0" anchor="ctr"/>
+            <a:p>
+              <a:pPr algn="ctr"/>
+              <a:endParaRPr lang="zh-CN" altLang="en-US"/>
+            </a:p>
+          </p:txBody>
+        </p:sp>
+        <p:sp>
+          <p:nvSpPr>
+            <p:cNvPr id="14" name="文本框 13"/>
+            <p:cNvSpPr txBox="1"/>
+            <p:nvPr/>
+          </p:nvSpPr>
+          <p:spPr>
+            <a:xfrm>
+              <a:off x="5485" y="3347"/>
+              <a:ext cx="1051" cy="580"/>
+            </a:xfrm>
+            <a:prstGeom prst="rect">
+              <a:avLst/>
+            </a:prstGeom>
+            <a:noFill/>
+          </p:spPr>
+          <p:txBody>
+            <a:bodyPr wrap="square" rtlCol="0">
+              <a:spAutoFit/>
+            </a:bodyPr>
+            <a:p>
+              <a:r>
+                <a:rPr lang="zh-CN" altLang="en-US"/>
+                <a:t>编译</a:t>
+              </a:r>
+              <a:endParaRPr lang="zh-CN" altLang="en-US"/>
+            </a:p>
+          </p:txBody>
+        </p:sp>
+      </p:grpSp>
+      <p:sp>
+        <p:nvSpPr>
+          <p:cNvPr id="17" name="文本框 16"/>
+          <p:cNvSpPr txBox="1"/>
+          <p:nvPr/>
+        </p:nvSpPr>
+        <p:spPr>
+          <a:xfrm>
+            <a:off x="9442450" y="2595880"/>
+            <a:ext cx="1244600" cy="922020"/>
+          </a:xfrm>
+          <a:prstGeom prst="rect">
+            <a:avLst/>
+          </a:prstGeom>
+          <a:noFill/>
+          <a:ln w="12700">
+            <a:solidFill>
+              <a:schemeClr val="tx1"/>
+            </a:solidFill>
+          </a:ln>
+        </p:spPr>
+        <p:txBody>
+          <a:bodyPr wrap="square" rtlCol="0">
+            <a:spAutoFit/>
+          </a:bodyPr>
+          <a:p>
+            <a:pPr algn="ctr"/>
+            <a:r>
+              <a:rPr lang="en-US" altLang="zh-CN">
+                <a:sym typeface="+mn-ea"/>
+              </a:rPr>
+              <a:t>index</a:t>
+            </a:r>
+            <a:r>
+              <a:rPr lang="zh-CN" altLang="en-US">
+                <a:sym typeface="+mn-ea"/>
+              </a:rPr>
+              <a:t>.</a:t>
+            </a:r>
+            <a:r>
+              <a:rPr lang="en-US" altLang="zh-CN">
+                <a:sym typeface="+mn-ea"/>
+              </a:rPr>
+              <a:t>css</a:t>
+            </a:r>
+            <a:endParaRPr lang="en-US" altLang="zh-CN"/>
+          </a:p>
+          <a:p>
+            <a:pPr algn="ctr"/>
+            <a:r>
+              <a:rPr lang="en-US" altLang="zh-CN">
+                <a:sym typeface="+mn-ea"/>
+              </a:rPr>
+              <a:t>CSS</a:t>
+            </a:r>
+            <a:r>
+              <a:rPr lang="zh-CN" altLang="en-US">
+                <a:sym typeface="+mn-ea"/>
+              </a:rPr>
+              <a:t>文件</a:t>
+            </a:r>
+            <a:endParaRPr lang="zh-CN" altLang="en-US">
+              <a:sym typeface="+mn-ea"/>
+            </a:endParaRPr>
+          </a:p>
+          <a:p>
+            <a:pPr algn="ctr"/>
+            <a:r>
+              <a:rPr lang="zh-CN" altLang="en-US"/>
+              <a:t>最终</a:t>
+            </a:r>
+            <a:r>
+              <a:rPr lang="zh-CN" altLang="en-US"/>
+              <a:t>产物</a:t>
+            </a:r>
+            <a:endParaRPr lang="zh-CN" altLang="en-US"/>
+          </a:p>
+        </p:txBody>
+      </p:sp>
+      <p:sp>
+        <p:nvSpPr>
+          <p:cNvPr id="61" name="矩形 60"/>
+          <p:cNvSpPr/>
+          <p:nvPr/>
+        </p:nvSpPr>
+        <p:spPr>
+          <a:xfrm>
+            <a:off x="1144270" y="1524635"/>
+            <a:ext cx="4145280" cy="2666365"/>
+          </a:xfrm>
+          <a:prstGeom prst="rect">
+            <a:avLst/>
+          </a:prstGeom>
+          <a:noFill/>
+          <a:ln w="12700">
+            <a:solidFill>
+              <a:schemeClr val="tx1"/>
+            </a:solidFill>
+            <a:prstDash val="dash"/>
+          </a:ln>
+          <a:extLst>
+            <a:ext uri="{909E8E84-426E-40DD-AFC4-6F175D3DCCD1}">
+              <a14:hiddenFill xmlns:a14="http://schemas.microsoft.com/office/drawing/2010/main">
+                <a:solidFill>
+                  <a:schemeClr val="accent1"/>
+                </a:solidFill>
+              </a14:hiddenFill>
+            </a:ext>
+          </a:extLst>
+        </p:spPr>
+        <p:style>
+          <a:lnRef idx="2">
+            <a:schemeClr val="accent1">
+              <a:shade val="50000"/>
+            </a:schemeClr>
+          </a:lnRef>
+          <a:fillRef idx="1">
+            <a:schemeClr val="accent1"/>
+          </a:fillRef>
+          <a:effectRef idx="0">
+            <a:schemeClr val="accent1"/>
+          </a:effectRef>
+          <a:fontRef idx="minor">
+            <a:schemeClr val="lt1"/>
+          </a:fontRef>
+        </p:style>
+        <p:txBody>
+          <a:bodyPr rtlCol="0" anchor="ctr"/>
+          <a:p>
+            <a:pPr algn="ctr"/>
+            <a:endParaRPr lang="zh-CN" altLang="en-US"/>
+          </a:p>
+        </p:txBody>
+      </p:sp>
+      <p:sp>
+        <p:nvSpPr>
+          <p:cNvPr id="18" name="文本框 17"/>
+          <p:cNvSpPr txBox="1"/>
+          <p:nvPr/>
+        </p:nvSpPr>
+        <p:spPr>
+          <a:xfrm>
+            <a:off x="2477135" y="4502150"/>
+            <a:ext cx="1479550" cy="368300"/>
+          </a:xfrm>
+          <a:prstGeom prst="rect">
+            <a:avLst/>
+          </a:prstGeom>
+          <a:noFill/>
+        </p:spPr>
+        <p:txBody>
+          <a:bodyPr wrap="square" rtlCol="0">
+            <a:spAutoFit/>
+          </a:bodyPr>
+          <a:p>
+            <a:r>
+              <a:rPr lang="en-US" altLang="zh-CN"/>
+              <a:t>CSS</a:t>
+            </a:r>
+            <a:r>
+              <a:rPr lang="zh-CN" altLang="en-US"/>
+              <a:t>预处理</a:t>
+            </a:r>
+            <a:r>
+              <a:rPr lang="zh-CN" altLang="en-US"/>
+              <a:t>器</a:t>
+            </a:r>
+            <a:endParaRPr lang="zh-CN" altLang="en-US"/>
+          </a:p>
+        </p:txBody>
+      </p:sp>
+      <p:sp>
+        <p:nvSpPr>
+          <p:cNvPr id="19" name="矩形 18"/>
+          <p:cNvSpPr/>
+          <p:nvPr/>
+        </p:nvSpPr>
+        <p:spPr>
+          <a:xfrm>
+            <a:off x="6932930" y="1524635"/>
+            <a:ext cx="3985895" cy="2666365"/>
+          </a:xfrm>
+          <a:prstGeom prst="rect">
+            <a:avLst/>
+          </a:prstGeom>
+          <a:noFill/>
+          <a:ln w="12700">
+            <a:solidFill>
+              <a:schemeClr val="tx1"/>
+            </a:solidFill>
+            <a:prstDash val="dash"/>
+          </a:ln>
+          <a:extLst>
+            <a:ext uri="{909E8E84-426E-40DD-AFC4-6F175D3DCCD1}">
+              <a14:hiddenFill xmlns:a14="http://schemas.microsoft.com/office/drawing/2010/main">
+                <a:solidFill>
+                  <a:schemeClr val="accent1"/>
+                </a:solidFill>
+              </a14:hiddenFill>
+            </a:ext>
+          </a:extLst>
+        </p:spPr>
+        <p:style>
+          <a:lnRef idx="2">
+            <a:schemeClr val="accent1">
+              <a:shade val="50000"/>
+            </a:schemeClr>
+          </a:lnRef>
+          <a:fillRef idx="1">
+            <a:schemeClr val="accent1"/>
+          </a:fillRef>
+          <a:effectRef idx="0">
+            <a:schemeClr val="accent1"/>
+          </a:effectRef>
+          <a:fontRef idx="minor">
+            <a:schemeClr val="lt1"/>
+          </a:fontRef>
+        </p:style>
+        <p:txBody>
+          <a:bodyPr rtlCol="0" anchor="ctr"/>
+          <a:p>
+            <a:pPr algn="ctr"/>
+            <a:endParaRPr lang="zh-CN" altLang="en-US"/>
+          </a:p>
+        </p:txBody>
+      </p:sp>
+      <p:sp>
+        <p:nvSpPr>
+          <p:cNvPr id="20" name="文本框 19"/>
+          <p:cNvSpPr txBox="1"/>
+          <p:nvPr/>
+        </p:nvSpPr>
+        <p:spPr>
+          <a:xfrm>
+            <a:off x="8265795" y="4502150"/>
+            <a:ext cx="1479550" cy="368300"/>
+          </a:xfrm>
+          <a:prstGeom prst="rect">
+            <a:avLst/>
+          </a:prstGeom>
+          <a:noFill/>
+        </p:spPr>
+        <p:txBody>
+          <a:bodyPr wrap="square" rtlCol="0">
+            <a:spAutoFit/>
+          </a:bodyPr>
+          <a:p>
+            <a:r>
+              <a:rPr lang="en-US" altLang="zh-CN"/>
+              <a:t>CSS</a:t>
+            </a:r>
+            <a:r>
+              <a:rPr lang="zh-CN" altLang="en-US"/>
+              <a:t>后处理</a:t>
+            </a:r>
+            <a:r>
+              <a:rPr lang="zh-CN" altLang="en-US"/>
+              <a:t>器</a:t>
+            </a:r>
+            <a:endParaRPr lang="zh-CN" altLang="en-US"/>
+          </a:p>
+        </p:txBody>
+      </p:sp>
+    </p:spTree>
+  </p:cSld>
+  <p:clrMapOvr>
+    <a:masterClrMapping/>
+  </p:clrMapOvr>
+</p:sld>
+</file>
+
 <file path=ppt/tags/tag1.xml><?xml version="1.0" encoding="utf-8"?>
 <p:tagLst xmlns:p="http://schemas.openxmlformats.org/presentationml/2006/main">
   <p:tag name="KSO_WM_UNIT_TABLE_BEAUTIFY" val="smartTable{e8ebea44-6430-4dd4-bcdd-21c1d86577b7}"/>
